--- a/발표보고서_강중현_vf.pptx
+++ b/발표보고서_강중현_vf.pptx
@@ -4,6 +4,9 @@
   <p:sldMasterIdLst>
     <p:sldMasterId id="2147483648" r:id="rId1"/>
   </p:sldMasterIdLst>
+  <p:notesMasterIdLst>
+    <p:notesMasterId r:id="rId18"/>
+  </p:notesMasterIdLst>
   <p:sldIdLst>
     <p:sldId id="265" r:id="rId2"/>
     <p:sldId id="295" r:id="rId3"/>
@@ -18,9 +21,9 @@
     <p:sldId id="297" r:id="rId12"/>
     <p:sldId id="282" r:id="rId13"/>
     <p:sldId id="298" r:id="rId14"/>
-    <p:sldId id="266" r:id="rId15"/>
-    <p:sldId id="261" r:id="rId16"/>
-    <p:sldId id="334" r:id="rId17"/>
+    <p:sldId id="335" r:id="rId15"/>
+    <p:sldId id="266" r:id="rId16"/>
+    <p:sldId id="261" r:id="rId17"/>
   </p:sldIdLst>
   <p:sldSz cx="12192000" cy="6858000"/>
   <p:notesSz cx="6858000" cy="9144000"/>
@@ -138,6 +141,440 @@
 </p:presentation>
 </file>
 
+<file path=ppt/notesMasters/notesMaster1.xml><?xml version="1.0" encoding="utf-8"?>
+<p:notesMaster xmlns:a="http://schemas.openxmlformats.org/drawingml/2006/main" xmlns:r="http://schemas.openxmlformats.org/officeDocument/2006/relationships" xmlns:p="http://schemas.openxmlformats.org/presentationml/2006/main">
+  <p:cSld>
+    <p:bg>
+      <p:bgRef idx="1001">
+        <a:schemeClr val="bg1"/>
+      </p:bgRef>
+    </p:bg>
+    <p:spTree>
+      <p:nvGrpSpPr>
+        <p:cNvPr id="1" name=""/>
+        <p:cNvGrpSpPr/>
+        <p:nvPr/>
+      </p:nvGrpSpPr>
+      <p:grpSpPr>
+        <a:xfrm>
+          <a:off x="0" y="0"/>
+          <a:ext cx="0" cy="0"/>
+          <a:chOff x="0" y="0"/>
+          <a:chExt cx="0" cy="0"/>
+        </a:xfrm>
+      </p:grpSpPr>
+      <p:sp>
+        <p:nvSpPr>
+          <p:cNvPr id="2" name="머리글 개체 틀 1"/>
+          <p:cNvSpPr>
+            <a:spLocks noGrp="1"/>
+          </p:cNvSpPr>
+          <p:nvPr>
+            <p:ph type="hdr" sz="quarter"/>
+          </p:nvPr>
+        </p:nvSpPr>
+        <p:spPr>
+          <a:xfrm>
+            <a:off x="0" y="0"/>
+            <a:ext cx="2971800" cy="458788"/>
+          </a:xfrm>
+          <a:prstGeom prst="rect">
+            <a:avLst/>
+          </a:prstGeom>
+        </p:spPr>
+        <p:txBody>
+          <a:bodyPr vert="horz" lIns="91440" tIns="45720" rIns="91440" bIns="45720" rtlCol="0"/>
+          <a:lstStyle>
+            <a:lvl1pPr algn="l">
+              <a:defRPr sz="1200"/>
+            </a:lvl1pPr>
+          </a:lstStyle>
+          <a:p>
+            <a:endParaRPr lang="ko-KR" altLang="en-US"/>
+          </a:p>
+        </p:txBody>
+      </p:sp>
+      <p:sp>
+        <p:nvSpPr>
+          <p:cNvPr id="3" name="날짜 개체 틀 2"/>
+          <p:cNvSpPr>
+            <a:spLocks noGrp="1"/>
+          </p:cNvSpPr>
+          <p:nvPr>
+            <p:ph type="dt" idx="1"/>
+          </p:nvPr>
+        </p:nvSpPr>
+        <p:spPr>
+          <a:xfrm>
+            <a:off x="3884613" y="0"/>
+            <a:ext cx="2971800" cy="458788"/>
+          </a:xfrm>
+          <a:prstGeom prst="rect">
+            <a:avLst/>
+          </a:prstGeom>
+        </p:spPr>
+        <p:txBody>
+          <a:bodyPr vert="horz" lIns="91440" tIns="45720" rIns="91440" bIns="45720" rtlCol="0"/>
+          <a:lstStyle>
+            <a:lvl1pPr algn="r">
+              <a:defRPr sz="1200"/>
+            </a:lvl1pPr>
+          </a:lstStyle>
+          <a:p>
+            <a:fld id="{F952852A-0301-4BDB-9E74-7C0A5FACF359}" type="datetimeFigureOut">
+              <a:rPr lang="ko-KR" altLang="en-US" smtClean="0"/>
+              <a:t>2023-05-17</a:t>
+            </a:fld>
+            <a:endParaRPr lang="ko-KR" altLang="en-US"/>
+          </a:p>
+        </p:txBody>
+      </p:sp>
+      <p:sp>
+        <p:nvSpPr>
+          <p:cNvPr id="4" name="슬라이드 이미지 개체 틀 3"/>
+          <p:cNvSpPr>
+            <a:spLocks noGrp="1" noRot="1" noChangeAspect="1"/>
+          </p:cNvSpPr>
+          <p:nvPr>
+            <p:ph type="sldImg" idx="2"/>
+          </p:nvPr>
+        </p:nvSpPr>
+        <p:spPr>
+          <a:xfrm>
+            <a:off x="685800" y="1143000"/>
+            <a:ext cx="5486400" cy="3086100"/>
+          </a:xfrm>
+          <a:prstGeom prst="rect">
+            <a:avLst/>
+          </a:prstGeom>
+          <a:noFill/>
+          <a:ln w="12700">
+            <a:solidFill>
+              <a:prstClr val="black"/>
+            </a:solidFill>
+          </a:ln>
+        </p:spPr>
+        <p:txBody>
+          <a:bodyPr vert="horz" lIns="91440" tIns="45720" rIns="91440" bIns="45720" rtlCol="0" anchor="ctr"/>
+          <a:lstStyle/>
+          <a:p>
+            <a:endParaRPr lang="ko-KR" altLang="en-US"/>
+          </a:p>
+        </p:txBody>
+      </p:sp>
+      <p:sp>
+        <p:nvSpPr>
+          <p:cNvPr id="5" name="슬라이드 노트 개체 틀 4"/>
+          <p:cNvSpPr>
+            <a:spLocks noGrp="1"/>
+          </p:cNvSpPr>
+          <p:nvPr>
+            <p:ph type="body" sz="quarter" idx="3"/>
+          </p:nvPr>
+        </p:nvSpPr>
+        <p:spPr>
+          <a:xfrm>
+            <a:off x="685800" y="4400550"/>
+            <a:ext cx="5486400" cy="3600450"/>
+          </a:xfrm>
+          <a:prstGeom prst="rect">
+            <a:avLst/>
+          </a:prstGeom>
+        </p:spPr>
+        <p:txBody>
+          <a:bodyPr vert="horz" lIns="91440" tIns="45720" rIns="91440" bIns="45720" rtlCol="0"/>
+          <a:lstStyle/>
+          <a:p>
+            <a:pPr lvl="0"/>
+            <a:r>
+              <a:rPr lang="ko-KR" altLang="en-US" smtClean="0"/>
+              <a:t>마스터 텍스트 스타일 편집</a:t>
+            </a:r>
+          </a:p>
+          <a:p>
+            <a:pPr lvl="1"/>
+            <a:r>
+              <a:rPr lang="ko-KR" altLang="en-US" smtClean="0"/>
+              <a:t>둘째 수준</a:t>
+            </a:r>
+          </a:p>
+          <a:p>
+            <a:pPr lvl="2"/>
+            <a:r>
+              <a:rPr lang="ko-KR" altLang="en-US" smtClean="0"/>
+              <a:t>셋째 수준</a:t>
+            </a:r>
+          </a:p>
+          <a:p>
+            <a:pPr lvl="3"/>
+            <a:r>
+              <a:rPr lang="ko-KR" altLang="en-US" smtClean="0"/>
+              <a:t>넷째 수준</a:t>
+            </a:r>
+          </a:p>
+          <a:p>
+            <a:pPr lvl="4"/>
+            <a:r>
+              <a:rPr lang="ko-KR" altLang="en-US" smtClean="0"/>
+              <a:t>다섯째 수준</a:t>
+            </a:r>
+            <a:endParaRPr lang="ko-KR" altLang="en-US"/>
+          </a:p>
+        </p:txBody>
+      </p:sp>
+      <p:sp>
+        <p:nvSpPr>
+          <p:cNvPr id="6" name="바닥글 개체 틀 5"/>
+          <p:cNvSpPr>
+            <a:spLocks noGrp="1"/>
+          </p:cNvSpPr>
+          <p:nvPr>
+            <p:ph type="ftr" sz="quarter" idx="4"/>
+          </p:nvPr>
+        </p:nvSpPr>
+        <p:spPr>
+          <a:xfrm>
+            <a:off x="0" y="8685213"/>
+            <a:ext cx="2971800" cy="458787"/>
+          </a:xfrm>
+          <a:prstGeom prst="rect">
+            <a:avLst/>
+          </a:prstGeom>
+        </p:spPr>
+        <p:txBody>
+          <a:bodyPr vert="horz" lIns="91440" tIns="45720" rIns="91440" bIns="45720" rtlCol="0" anchor="b"/>
+          <a:lstStyle>
+            <a:lvl1pPr algn="l">
+              <a:defRPr sz="1200"/>
+            </a:lvl1pPr>
+          </a:lstStyle>
+          <a:p>
+            <a:endParaRPr lang="ko-KR" altLang="en-US"/>
+          </a:p>
+        </p:txBody>
+      </p:sp>
+      <p:sp>
+        <p:nvSpPr>
+          <p:cNvPr id="7" name="슬라이드 번호 개체 틀 6"/>
+          <p:cNvSpPr>
+            <a:spLocks noGrp="1"/>
+          </p:cNvSpPr>
+          <p:nvPr>
+            <p:ph type="sldNum" sz="quarter" idx="5"/>
+          </p:nvPr>
+        </p:nvSpPr>
+        <p:spPr>
+          <a:xfrm>
+            <a:off x="3884613" y="8685213"/>
+            <a:ext cx="2971800" cy="458787"/>
+          </a:xfrm>
+          <a:prstGeom prst="rect">
+            <a:avLst/>
+          </a:prstGeom>
+        </p:spPr>
+        <p:txBody>
+          <a:bodyPr vert="horz" lIns="91440" tIns="45720" rIns="91440" bIns="45720" rtlCol="0" anchor="b"/>
+          <a:lstStyle>
+            <a:lvl1pPr algn="r">
+              <a:defRPr sz="1200"/>
+            </a:lvl1pPr>
+          </a:lstStyle>
+          <a:p>
+            <a:fld id="{0AD329BF-B2A6-4A84-87F6-512920CB290A}" type="slidenum">
+              <a:rPr lang="ko-KR" altLang="en-US" smtClean="0"/>
+              <a:t>‹#›</a:t>
+            </a:fld>
+            <a:endParaRPr lang="ko-KR" altLang="en-US"/>
+          </a:p>
+        </p:txBody>
+      </p:sp>
+    </p:spTree>
+    <p:extLst>
+      <p:ext uri="{BB962C8B-B14F-4D97-AF65-F5344CB8AC3E}">
+        <p14:creationId xmlns:p14="http://schemas.microsoft.com/office/powerpoint/2010/main" val="863396733"/>
+      </p:ext>
+    </p:extLst>
+  </p:cSld>
+  <p:clrMap bg1="lt1" tx1="dk1" bg2="lt2" tx2="dk2" accent1="accent1" accent2="accent2" accent3="accent3" accent4="accent4" accent5="accent5" accent6="accent6" hlink="hlink" folHlink="folHlink"/>
+  <p:notesStyle>
+    <a:lvl1pPr marL="0" algn="l" defTabSz="914400" rtl="0" eaLnBrk="1" latinLnBrk="1" hangingPunct="1">
+      <a:defRPr sz="1200" kern="1200">
+        <a:solidFill>
+          <a:schemeClr val="tx1"/>
+        </a:solidFill>
+        <a:latin typeface="+mn-lt"/>
+        <a:ea typeface="+mn-ea"/>
+        <a:cs typeface="+mn-cs"/>
+      </a:defRPr>
+    </a:lvl1pPr>
+    <a:lvl2pPr marL="457200" algn="l" defTabSz="914400" rtl="0" eaLnBrk="1" latinLnBrk="1" hangingPunct="1">
+      <a:defRPr sz="1200" kern="1200">
+        <a:solidFill>
+          <a:schemeClr val="tx1"/>
+        </a:solidFill>
+        <a:latin typeface="+mn-lt"/>
+        <a:ea typeface="+mn-ea"/>
+        <a:cs typeface="+mn-cs"/>
+      </a:defRPr>
+    </a:lvl2pPr>
+    <a:lvl3pPr marL="914400" algn="l" defTabSz="914400" rtl="0" eaLnBrk="1" latinLnBrk="1" hangingPunct="1">
+      <a:defRPr sz="1200" kern="1200">
+        <a:solidFill>
+          <a:schemeClr val="tx1"/>
+        </a:solidFill>
+        <a:latin typeface="+mn-lt"/>
+        <a:ea typeface="+mn-ea"/>
+        <a:cs typeface="+mn-cs"/>
+      </a:defRPr>
+    </a:lvl3pPr>
+    <a:lvl4pPr marL="1371600" algn="l" defTabSz="914400" rtl="0" eaLnBrk="1" latinLnBrk="1" hangingPunct="1">
+      <a:defRPr sz="1200" kern="1200">
+        <a:solidFill>
+          <a:schemeClr val="tx1"/>
+        </a:solidFill>
+        <a:latin typeface="+mn-lt"/>
+        <a:ea typeface="+mn-ea"/>
+        <a:cs typeface="+mn-cs"/>
+      </a:defRPr>
+    </a:lvl4pPr>
+    <a:lvl5pPr marL="1828800" algn="l" defTabSz="914400" rtl="0" eaLnBrk="1" latinLnBrk="1" hangingPunct="1">
+      <a:defRPr sz="1200" kern="1200">
+        <a:solidFill>
+          <a:schemeClr val="tx1"/>
+        </a:solidFill>
+        <a:latin typeface="+mn-lt"/>
+        <a:ea typeface="+mn-ea"/>
+        <a:cs typeface="+mn-cs"/>
+      </a:defRPr>
+    </a:lvl5pPr>
+    <a:lvl6pPr marL="2286000" algn="l" defTabSz="914400" rtl="0" eaLnBrk="1" latinLnBrk="1" hangingPunct="1">
+      <a:defRPr sz="1200" kern="1200">
+        <a:solidFill>
+          <a:schemeClr val="tx1"/>
+        </a:solidFill>
+        <a:latin typeface="+mn-lt"/>
+        <a:ea typeface="+mn-ea"/>
+        <a:cs typeface="+mn-cs"/>
+      </a:defRPr>
+    </a:lvl6pPr>
+    <a:lvl7pPr marL="2743200" algn="l" defTabSz="914400" rtl="0" eaLnBrk="1" latinLnBrk="1" hangingPunct="1">
+      <a:defRPr sz="1200" kern="1200">
+        <a:solidFill>
+          <a:schemeClr val="tx1"/>
+        </a:solidFill>
+        <a:latin typeface="+mn-lt"/>
+        <a:ea typeface="+mn-ea"/>
+        <a:cs typeface="+mn-cs"/>
+      </a:defRPr>
+    </a:lvl7pPr>
+    <a:lvl8pPr marL="3200400" algn="l" defTabSz="914400" rtl="0" eaLnBrk="1" latinLnBrk="1" hangingPunct="1">
+      <a:defRPr sz="1200" kern="1200">
+        <a:solidFill>
+          <a:schemeClr val="tx1"/>
+        </a:solidFill>
+        <a:latin typeface="+mn-lt"/>
+        <a:ea typeface="+mn-ea"/>
+        <a:cs typeface="+mn-cs"/>
+      </a:defRPr>
+    </a:lvl8pPr>
+    <a:lvl9pPr marL="3657600" algn="l" defTabSz="914400" rtl="0" eaLnBrk="1" latinLnBrk="1" hangingPunct="1">
+      <a:defRPr sz="1200" kern="1200">
+        <a:solidFill>
+          <a:schemeClr val="tx1"/>
+        </a:solidFill>
+        <a:latin typeface="+mn-lt"/>
+        <a:ea typeface="+mn-ea"/>
+        <a:cs typeface="+mn-cs"/>
+      </a:defRPr>
+    </a:lvl9pPr>
+  </p:notesStyle>
+</p:notesMaster>
+</file>
+
+<file path=ppt/notesSlides/notesSlide1.xml><?xml version="1.0" encoding="utf-8"?>
+<p:notes xmlns:a="http://schemas.openxmlformats.org/drawingml/2006/main" xmlns:r="http://schemas.openxmlformats.org/officeDocument/2006/relationships" xmlns:p="http://schemas.openxmlformats.org/presentationml/2006/main">
+  <p:cSld>
+    <p:spTree>
+      <p:nvGrpSpPr>
+        <p:cNvPr id="1" name=""/>
+        <p:cNvGrpSpPr/>
+        <p:nvPr/>
+      </p:nvGrpSpPr>
+      <p:grpSpPr>
+        <a:xfrm>
+          <a:off x="0" y="0"/>
+          <a:ext cx="0" cy="0"/>
+          <a:chOff x="0" y="0"/>
+          <a:chExt cx="0" cy="0"/>
+        </a:xfrm>
+      </p:grpSpPr>
+      <p:sp>
+        <p:nvSpPr>
+          <p:cNvPr id="2" name="슬라이드 이미지 개체 틀 1"/>
+          <p:cNvSpPr>
+            <a:spLocks noGrp="1" noRot="1" noChangeAspect="1"/>
+          </p:cNvSpPr>
+          <p:nvPr>
+            <p:ph type="sldImg"/>
+          </p:nvPr>
+        </p:nvSpPr>
+        <p:spPr/>
+      </p:sp>
+      <p:sp>
+        <p:nvSpPr>
+          <p:cNvPr id="3" name="슬라이드 노트 개체 틀 2"/>
+          <p:cNvSpPr>
+            <a:spLocks noGrp="1"/>
+          </p:cNvSpPr>
+          <p:nvPr>
+            <p:ph type="body" idx="1"/>
+          </p:nvPr>
+        </p:nvSpPr>
+        <p:spPr/>
+        <p:txBody>
+          <a:bodyPr/>
+          <a:lstStyle/>
+          <a:p>
+            <a:endParaRPr lang="ko-KR" altLang="en-US" dirty="0"/>
+          </a:p>
+        </p:txBody>
+      </p:sp>
+      <p:sp>
+        <p:nvSpPr>
+          <p:cNvPr id="4" name="슬라이드 번호 개체 틀 3"/>
+          <p:cNvSpPr>
+            <a:spLocks noGrp="1"/>
+          </p:cNvSpPr>
+          <p:nvPr>
+            <p:ph type="sldNum" sz="quarter" idx="10"/>
+          </p:nvPr>
+        </p:nvSpPr>
+        <p:spPr/>
+        <p:txBody>
+          <a:bodyPr/>
+          <a:lstStyle/>
+          <a:p>
+            <a:fld id="{0AD329BF-B2A6-4A84-87F6-512920CB290A}" type="slidenum">
+              <a:rPr lang="ko-KR" altLang="en-US" smtClean="0"/>
+              <a:t>5</a:t>
+            </a:fld>
+            <a:endParaRPr lang="ko-KR" altLang="en-US"/>
+          </a:p>
+        </p:txBody>
+      </p:sp>
+    </p:spTree>
+    <p:extLst>
+      <p:ext uri="{BB962C8B-B14F-4D97-AF65-F5344CB8AC3E}">
+        <p14:creationId xmlns:p14="http://schemas.microsoft.com/office/powerpoint/2010/main" val="2544581806"/>
+      </p:ext>
+    </p:extLst>
+  </p:cSld>
+  <p:clrMapOvr>
+    <a:masterClrMapping/>
+  </p:clrMapOvr>
+</p:notes>
+</file>
+
 <file path=ppt/slideLayouts/slideLayout1.xml><?xml version="1.0" encoding="utf-8"?>
 <p:sldLayout xmlns:a="http://schemas.openxmlformats.org/drawingml/2006/main" xmlns:r="http://schemas.openxmlformats.org/officeDocument/2006/relationships" xmlns:p="http://schemas.openxmlformats.org/presentationml/2006/main" type="title" preserve="1">
   <p:cSld name="제목 슬라이드">
@@ -285,7 +722,7 @@
           <a:p>
             <a:fld id="{711ADB4A-3A8B-4072-ACF2-B9A64CC5A17A}" type="datetimeFigureOut">
               <a:rPr lang="ko-KR" altLang="en-US" smtClean="0"/>
-              <a:t>2023-05-16</a:t>
+              <a:t>2023-05-17</a:t>
             </a:fld>
             <a:endParaRPr lang="ko-KR" altLang="en-US"/>
           </a:p>
@@ -573,7 +1010,7 @@
           <a:p>
             <a:fld id="{711ADB4A-3A8B-4072-ACF2-B9A64CC5A17A}" type="datetimeFigureOut">
               <a:rPr lang="ko-KR" altLang="en-US" smtClean="0"/>
-              <a:t>2023-05-16</a:t>
+              <a:t>2023-05-17</a:t>
             </a:fld>
             <a:endParaRPr lang="ko-KR" altLang="en-US"/>
           </a:p>
@@ -771,7 +1208,7 @@
           <a:p>
             <a:fld id="{711ADB4A-3A8B-4072-ACF2-B9A64CC5A17A}" type="datetimeFigureOut">
               <a:rPr lang="ko-KR" altLang="en-US" smtClean="0"/>
-              <a:t>2023-05-16</a:t>
+              <a:t>2023-05-17</a:t>
             </a:fld>
             <a:endParaRPr lang="ko-KR" altLang="en-US"/>
           </a:p>
@@ -979,7 +1416,7 @@
           <a:p>
             <a:fld id="{711ADB4A-3A8B-4072-ACF2-B9A64CC5A17A}" type="datetimeFigureOut">
               <a:rPr lang="ko-KR" altLang="en-US" smtClean="0"/>
-              <a:t>2023-05-16</a:t>
+              <a:t>2023-05-17</a:t>
             </a:fld>
             <a:endParaRPr lang="ko-KR" altLang="en-US"/>
           </a:p>
@@ -1177,7 +1614,7 @@
           <a:p>
             <a:fld id="{711ADB4A-3A8B-4072-ACF2-B9A64CC5A17A}" type="datetimeFigureOut">
               <a:rPr lang="ko-KR" altLang="en-US" smtClean="0"/>
-              <a:t>2023-05-16</a:t>
+              <a:t>2023-05-17</a:t>
             </a:fld>
             <a:endParaRPr lang="ko-KR" altLang="en-US"/>
           </a:p>
@@ -1452,7 +1889,7 @@
           <a:p>
             <a:fld id="{711ADB4A-3A8B-4072-ACF2-B9A64CC5A17A}" type="datetimeFigureOut">
               <a:rPr lang="ko-KR" altLang="en-US" smtClean="0"/>
-              <a:t>2023-05-16</a:t>
+              <a:t>2023-05-17</a:t>
             </a:fld>
             <a:endParaRPr lang="ko-KR" altLang="en-US"/>
           </a:p>
@@ -1717,7 +2154,7 @@
           <a:p>
             <a:fld id="{711ADB4A-3A8B-4072-ACF2-B9A64CC5A17A}" type="datetimeFigureOut">
               <a:rPr lang="ko-KR" altLang="en-US" smtClean="0"/>
-              <a:t>2023-05-16</a:t>
+              <a:t>2023-05-17</a:t>
             </a:fld>
             <a:endParaRPr lang="ko-KR" altLang="en-US"/>
           </a:p>
@@ -2129,7 +2566,7 @@
           <a:p>
             <a:fld id="{711ADB4A-3A8B-4072-ACF2-B9A64CC5A17A}" type="datetimeFigureOut">
               <a:rPr lang="ko-KR" altLang="en-US" smtClean="0"/>
-              <a:t>2023-05-16</a:t>
+              <a:t>2023-05-17</a:t>
             </a:fld>
             <a:endParaRPr lang="ko-KR" altLang="en-US"/>
           </a:p>
@@ -2270,7 +2707,7 @@
           <a:p>
             <a:fld id="{711ADB4A-3A8B-4072-ACF2-B9A64CC5A17A}" type="datetimeFigureOut">
               <a:rPr lang="ko-KR" altLang="en-US" smtClean="0"/>
-              <a:t>2023-05-16</a:t>
+              <a:t>2023-05-17</a:t>
             </a:fld>
             <a:endParaRPr lang="ko-KR" altLang="en-US"/>
           </a:p>
@@ -2383,7 +2820,7 @@
           <a:p>
             <a:fld id="{711ADB4A-3A8B-4072-ACF2-B9A64CC5A17A}" type="datetimeFigureOut">
               <a:rPr lang="ko-KR" altLang="en-US" smtClean="0"/>
-              <a:t>2023-05-16</a:t>
+              <a:t>2023-05-17</a:t>
             </a:fld>
             <a:endParaRPr lang="ko-KR" altLang="en-US"/>
           </a:p>
@@ -2585,7 +3022,7 @@
           <a:p>
             <a:fld id="{711ADB4A-3A8B-4072-ACF2-B9A64CC5A17A}" type="datetimeFigureOut">
               <a:rPr lang="ko-KR" altLang="en-US" smtClean="0"/>
-              <a:t>2023-05-16</a:t>
+              <a:t>2023-05-17</a:t>
             </a:fld>
             <a:endParaRPr lang="ko-KR" altLang="en-US"/>
           </a:p>
@@ -2896,7 +3333,7 @@
           <a:p>
             <a:fld id="{711ADB4A-3A8B-4072-ACF2-B9A64CC5A17A}" type="datetimeFigureOut">
               <a:rPr lang="ko-KR" altLang="en-US" smtClean="0"/>
-              <a:t>2023-05-16</a:t>
+              <a:t>2023-05-17</a:t>
             </a:fld>
             <a:endParaRPr lang="ko-KR" altLang="en-US"/>
           </a:p>
@@ -3137,7 +3574,7 @@
           <a:p>
             <a:fld id="{711ADB4A-3A8B-4072-ACF2-B9A64CC5A17A}" type="datetimeFigureOut">
               <a:rPr lang="ko-KR" altLang="en-US" smtClean="0"/>
-              <a:t>2023-05-16</a:t>
+              <a:t>2023-05-17</a:t>
             </a:fld>
             <a:endParaRPr lang="ko-KR" altLang="en-US"/>
           </a:p>
@@ -4964,7 +5401,7 @@
     <p:bg>
       <p:bgPr>
         <a:solidFill>
-          <a:srgbClr val="000000"/>
+          <a:schemeClr val="accent1"/>
         </a:solidFill>
         <a:effectLst/>
       </p:bgPr>
@@ -4983,57 +5420,22 @@
           <a:chExt cx="0" cy="0"/>
         </a:xfrm>
       </p:grpSpPr>
-      <p:pic>
-        <p:nvPicPr>
-          <p:cNvPr id="3" name="그림 2">
-            <a:extLst>
-              <a:ext uri="{FF2B5EF4-FFF2-40B4-BE49-F238E27FC236}">
-                <a16:creationId xmlns:a16="http://schemas.microsoft.com/office/drawing/2014/main" id="{F40275B1-1ED2-46EC-B94E-A871976CEDC8}"/>
-              </a:ext>
-            </a:extLst>
-          </p:cNvPr>
-          <p:cNvPicPr>
-            <a:picLocks noChangeAspect="1"/>
-          </p:cNvPicPr>
+      <p:sp>
+        <p:nvSpPr>
+          <p:cNvPr id="4" name="TextBox 3">
+            <a:extLst>
+              <a:ext uri="{FF2B5EF4-FFF2-40B4-BE49-F238E27FC236}">
+                <a16:creationId xmlns:a16="http://schemas.microsoft.com/office/drawing/2014/main" id="{111B9053-7F76-4FFD-B914-FC2DACD95A56}"/>
+              </a:ext>
+            </a:extLst>
+          </p:cNvPr>
+          <p:cNvSpPr txBox="1"/>
           <p:nvPr/>
-        </p:nvPicPr>
-        <p:blipFill rotWithShape="1">
-          <a:blip r:embed="rId2" cstate="screen">
-            <a:extLst>
-              <a:ext uri="{28A0092B-C50C-407E-A947-70E740481C1C}">
-                <a14:useLocalDpi xmlns:a14="http://schemas.microsoft.com/office/drawing/2010/main" val="0"/>
-              </a:ext>
-            </a:extLst>
-          </a:blip>
-          <a:srcRect/>
-          <a:stretch/>
-        </p:blipFill>
+        </p:nvSpPr>
         <p:spPr>
           <a:xfrm>
-            <a:off x="1805" y="0"/>
-            <a:ext cx="12188389" cy="6136640"/>
-          </a:xfrm>
-          <a:prstGeom prst="rect">
-            <a:avLst/>
-          </a:prstGeom>
-        </p:spPr>
-      </p:pic>
-      <p:sp>
-        <p:nvSpPr>
-          <p:cNvPr id="2" name="TextBox 1">
-            <a:extLst>
-              <a:ext uri="{FF2B5EF4-FFF2-40B4-BE49-F238E27FC236}">
-                <a16:creationId xmlns:a16="http://schemas.microsoft.com/office/drawing/2014/main" id="{63EFA6DD-21EE-48EA-B3A6-A6C68834365A}"/>
-              </a:ext>
-            </a:extLst>
-          </p:cNvPr>
-          <p:cNvSpPr txBox="1"/>
-          <p:nvPr/>
-        </p:nvSpPr>
-        <p:spPr>
-          <a:xfrm>
-            <a:off x="3934192" y="5671820"/>
-            <a:ext cx="4323620" cy="707886"/>
+            <a:off x="1702808" y="1242449"/>
+            <a:ext cx="8429106" cy="4358116"/>
           </a:xfrm>
           <a:prstGeom prst="rect">
             <a:avLst/>
@@ -5041,38 +5443,447 @@
           <a:noFill/>
         </p:spPr>
         <p:txBody>
-          <a:bodyPr wrap="none" rtlCol="0">
+          <a:bodyPr wrap="square">
             <a:spAutoFit/>
           </a:bodyPr>
           <a:lstStyle/>
           <a:p>
-            <a:pPr algn="ctr"/>
-            <a:r>
-              <a:rPr lang="en-US" altLang="ko-KR" sz="4000" spc="-150" dirty="0" smtClean="0">
-                <a:solidFill>
-                  <a:schemeClr val="accent6"/>
-                </a:solidFill>
-                <a:latin typeface="+mj-ea"/>
-                <a:ea typeface="+mj-ea"/>
-              </a:rPr>
-              <a:t>Q&amp;A </a:t>
-            </a:r>
-            <a:r>
-              <a:rPr lang="ko-KR" altLang="en-US" sz="4000" spc="-150" dirty="0" smtClean="0">
-                <a:solidFill>
-                  <a:schemeClr val="accent6"/>
-                </a:solidFill>
-                <a:latin typeface="+mj-ea"/>
-                <a:ea typeface="+mj-ea"/>
-              </a:rPr>
-              <a:t>질문해주세요</a:t>
-            </a:r>
-            <a:endParaRPr lang="ko-KR" altLang="en-US" sz="4000" spc="-150" dirty="0">
+            <a:pPr algn="just">
+              <a:lnSpc>
+                <a:spcPct val="110000"/>
+              </a:lnSpc>
+            </a:pPr>
+            <a:r>
+              <a:rPr lang="ko-KR" altLang="en-US" sz="1400" dirty="0" err="1" smtClean="0">
+                <a:solidFill>
+                  <a:schemeClr val="bg1"/>
+                </a:solidFill>
+              </a:rPr>
+              <a:t>박진휘</a:t>
+            </a:r>
+            <a:r>
+              <a:rPr lang="ko-KR" altLang="en-US" sz="1400" dirty="0" smtClean="0">
+                <a:solidFill>
+                  <a:schemeClr val="bg1"/>
+                </a:solidFill>
+              </a:rPr>
+              <a:t> </a:t>
+            </a:r>
+            <a:r>
+              <a:rPr lang="en-US" altLang="ko-KR" sz="1400" dirty="0" smtClean="0">
+                <a:solidFill>
+                  <a:schemeClr val="bg1"/>
+                </a:solidFill>
+              </a:rPr>
+              <a:t>: </a:t>
+            </a:r>
+            <a:r>
+              <a:rPr lang="ko-KR" altLang="en-US" sz="1400" dirty="0" smtClean="0">
+                <a:solidFill>
+                  <a:schemeClr val="bg1"/>
+                </a:solidFill>
+              </a:rPr>
+              <a:t>내가 알던 정보들을 더 정확하게 확립하고 새로운 구현을 시도해 볼 수 있었던 좋은 </a:t>
+            </a:r>
+            <a:r>
+              <a:rPr lang="ko-KR" altLang="en-US" sz="1400" dirty="0" smtClean="0">
+                <a:solidFill>
+                  <a:schemeClr val="bg1"/>
+                </a:solidFill>
+              </a:rPr>
+              <a:t>프로젝트였습니다</a:t>
+            </a:r>
+            <a:r>
+              <a:rPr lang="en-US" altLang="ko-KR" sz="1400" dirty="0" smtClean="0">
+                <a:solidFill>
+                  <a:schemeClr val="bg1"/>
+                </a:solidFill>
+              </a:rPr>
+              <a:t>. </a:t>
+            </a:r>
+            <a:r>
+              <a:rPr lang="ko-KR" altLang="en-US" sz="1400" dirty="0" smtClean="0">
+                <a:solidFill>
+                  <a:schemeClr val="bg1"/>
+                </a:solidFill>
+              </a:rPr>
+              <a:t>팀원들끼리 서로 협력하여 기한 내에 정해진 결과물을 내기 위해 노력하였고 만족하는 결과물을 낼 수 있어서 서로 도움이 되는 시간이었습니다</a:t>
+            </a:r>
+            <a:r>
+              <a:rPr lang="en-US" altLang="ko-KR" sz="1400" dirty="0" smtClean="0">
+                <a:solidFill>
+                  <a:schemeClr val="bg1"/>
+                </a:solidFill>
+              </a:rPr>
+              <a:t>.</a:t>
+            </a:r>
+            <a:endParaRPr lang="en-US" altLang="ko-KR" sz="1400" dirty="0" smtClean="0">
               <a:solidFill>
-                <a:schemeClr val="accent6"/>
+                <a:schemeClr val="bg1"/>
               </a:solidFill>
-              <a:latin typeface="+mj-ea"/>
-              <a:ea typeface="+mj-ea"/>
+            </a:endParaRPr>
+          </a:p>
+          <a:p>
+            <a:pPr algn="just">
+              <a:lnSpc>
+                <a:spcPct val="110000"/>
+              </a:lnSpc>
+            </a:pPr>
+            <a:endParaRPr lang="en-US" altLang="ko-KR" sz="1400" dirty="0" smtClean="0">
+              <a:solidFill>
+                <a:schemeClr val="bg1"/>
+              </a:solidFill>
+            </a:endParaRPr>
+          </a:p>
+          <a:p>
+            <a:pPr algn="just">
+              <a:lnSpc>
+                <a:spcPct val="110000"/>
+              </a:lnSpc>
+            </a:pPr>
+            <a:r>
+              <a:rPr lang="ko-KR" altLang="en-US" sz="1400" dirty="0" smtClean="0">
+                <a:solidFill>
+                  <a:schemeClr val="bg1"/>
+                </a:solidFill>
+              </a:rPr>
+              <a:t>김동근 </a:t>
+            </a:r>
+            <a:r>
+              <a:rPr lang="en-US" altLang="ko-KR" sz="1400" dirty="0" smtClean="0">
+                <a:solidFill>
+                  <a:schemeClr val="bg1"/>
+                </a:solidFill>
+              </a:rPr>
+              <a:t>: </a:t>
+            </a:r>
+            <a:r>
+              <a:rPr lang="ko-KR" altLang="en-US" sz="1400" dirty="0">
+                <a:solidFill>
+                  <a:schemeClr val="bg1"/>
+                </a:solidFill>
+              </a:rPr>
+              <a:t>처음 시도해보는 것들이 있어 처음엔 막막했지만 이것저것 시도해보고 다양한 라이브러리를 사용해보면서 잘 갈무리해 내 것으로 만들 수 있었던 좋은 경험이었습니다</a:t>
+            </a:r>
+            <a:r>
+              <a:rPr lang="en-US" altLang="ko-KR" sz="1400" dirty="0" smtClean="0">
+                <a:solidFill>
+                  <a:schemeClr val="bg1"/>
+                </a:solidFill>
+              </a:rPr>
+              <a:t>.</a:t>
+            </a:r>
+          </a:p>
+          <a:p>
+            <a:pPr algn="just">
+              <a:lnSpc>
+                <a:spcPct val="110000"/>
+              </a:lnSpc>
+            </a:pPr>
+            <a:endParaRPr lang="en-US" altLang="ko-KR" sz="1400" dirty="0" smtClean="0">
+              <a:solidFill>
+                <a:schemeClr val="bg1"/>
+              </a:solidFill>
+            </a:endParaRPr>
+          </a:p>
+          <a:p>
+            <a:pPr algn="just">
+              <a:lnSpc>
+                <a:spcPct val="110000"/>
+              </a:lnSpc>
+            </a:pPr>
+            <a:r>
+              <a:rPr lang="ko-KR" altLang="en-US" sz="1400" dirty="0" err="1" smtClean="0">
+                <a:solidFill>
+                  <a:schemeClr val="bg1"/>
+                </a:solidFill>
+              </a:rPr>
+              <a:t>강중현</a:t>
+            </a:r>
+            <a:r>
+              <a:rPr lang="en-US" altLang="ko-KR" sz="1400" dirty="0">
+                <a:solidFill>
+                  <a:schemeClr val="bg1"/>
+                </a:solidFill>
+              </a:rPr>
+              <a:t> </a:t>
+            </a:r>
+            <a:r>
+              <a:rPr lang="en-US" altLang="ko-KR" sz="1400" dirty="0" smtClean="0">
+                <a:solidFill>
+                  <a:schemeClr val="bg1"/>
+                </a:solidFill>
+              </a:rPr>
+              <a:t>: </a:t>
+            </a:r>
+            <a:r>
+              <a:rPr lang="ko-KR" altLang="en-US" sz="1400" dirty="0" smtClean="0">
+                <a:solidFill>
+                  <a:schemeClr val="bg1"/>
+                </a:solidFill>
+              </a:rPr>
+              <a:t>수업시간에 배웠던 프로그램의 버전과 프로젝트를 진행하며 설정했던 버전이 달라 </a:t>
+            </a:r>
+            <a:r>
+              <a:rPr lang="ko-KR" altLang="en-US" sz="1400" dirty="0" err="1" smtClean="0">
+                <a:solidFill>
+                  <a:schemeClr val="bg1"/>
+                </a:solidFill>
+              </a:rPr>
+              <a:t>그로인해</a:t>
+            </a:r>
+            <a:r>
+              <a:rPr lang="ko-KR" altLang="en-US" sz="1400" dirty="0" smtClean="0">
+                <a:solidFill>
+                  <a:schemeClr val="bg1"/>
+                </a:solidFill>
+              </a:rPr>
+              <a:t> 일어나는 에러를 해결하는데 많은 어려움을 겪었고</a:t>
+            </a:r>
+            <a:r>
+              <a:rPr lang="en-US" altLang="ko-KR" sz="1400" dirty="0" smtClean="0">
+                <a:solidFill>
+                  <a:schemeClr val="bg1"/>
+                </a:solidFill>
+              </a:rPr>
+              <a:t>, SNS </a:t>
+            </a:r>
+            <a:r>
+              <a:rPr lang="ko-KR" altLang="en-US" sz="1400" dirty="0" smtClean="0">
+                <a:solidFill>
+                  <a:schemeClr val="bg1"/>
+                </a:solidFill>
+              </a:rPr>
+              <a:t>회원가입 기능을 추가하고 싶었는데 능력이 부족하여 구현하지 못한 아쉬움이 매우 큽니다</a:t>
+            </a:r>
+            <a:r>
+              <a:rPr lang="en-US" altLang="ko-KR" sz="1400" dirty="0" smtClean="0">
+                <a:solidFill>
+                  <a:schemeClr val="bg1"/>
+                </a:solidFill>
+              </a:rPr>
+              <a:t>. </a:t>
+            </a:r>
+            <a:r>
+              <a:rPr lang="ko-KR" altLang="en-US" sz="1400" dirty="0" smtClean="0">
+                <a:solidFill>
+                  <a:schemeClr val="bg1"/>
+                </a:solidFill>
+              </a:rPr>
+              <a:t>개인적 노력을 통해 구현하고 싶습니다</a:t>
+            </a:r>
+            <a:r>
+              <a:rPr lang="en-US" altLang="ko-KR" sz="1400" dirty="0" smtClean="0">
+                <a:solidFill>
+                  <a:schemeClr val="bg1"/>
+                </a:solidFill>
+              </a:rPr>
+              <a:t>.</a:t>
+            </a:r>
+            <a:endParaRPr lang="en-US" altLang="ko-KR" sz="1400" dirty="0" smtClean="0">
+              <a:solidFill>
+                <a:schemeClr val="bg1"/>
+              </a:solidFill>
+            </a:endParaRPr>
+          </a:p>
+          <a:p>
+            <a:pPr algn="just">
+              <a:lnSpc>
+                <a:spcPct val="110000"/>
+              </a:lnSpc>
+            </a:pPr>
+            <a:endParaRPr lang="en-US" altLang="ko-KR" sz="1400" dirty="0" smtClean="0">
+              <a:solidFill>
+                <a:schemeClr val="bg1"/>
+              </a:solidFill>
+            </a:endParaRPr>
+          </a:p>
+          <a:p>
+            <a:pPr algn="just">
+              <a:lnSpc>
+                <a:spcPct val="110000"/>
+              </a:lnSpc>
+            </a:pPr>
+            <a:r>
+              <a:rPr lang="ko-KR" altLang="en-US" sz="1400" dirty="0" err="1" smtClean="0">
+                <a:solidFill>
+                  <a:schemeClr val="bg1"/>
+                </a:solidFill>
+              </a:rPr>
+              <a:t>윤사랑</a:t>
+            </a:r>
+            <a:r>
+              <a:rPr lang="ko-KR" altLang="en-US" sz="1400" dirty="0" smtClean="0">
+                <a:solidFill>
+                  <a:schemeClr val="bg1"/>
+                </a:solidFill>
+              </a:rPr>
+              <a:t> </a:t>
+            </a:r>
+            <a:r>
+              <a:rPr lang="en-US" altLang="ko-KR" sz="1400" dirty="0" smtClean="0">
+                <a:solidFill>
+                  <a:schemeClr val="bg1"/>
+                </a:solidFill>
+              </a:rPr>
+              <a:t>:</a:t>
+            </a:r>
+            <a:r>
+              <a:rPr lang="ko-KR" altLang="en-US" sz="1400" dirty="0">
+                <a:solidFill>
+                  <a:schemeClr val="bg1"/>
+                </a:solidFill>
+              </a:rPr>
+              <a:t>이번 프로젝트를 통해 제게 취약했던 부분을 보완할 수 있었고 무엇을 보충하고 공부해야 할지 알 수 있었습니다</a:t>
+            </a:r>
+            <a:r>
+              <a:rPr lang="en-US" altLang="ko-KR" sz="1400" dirty="0">
+                <a:solidFill>
+                  <a:schemeClr val="bg1"/>
+                </a:solidFill>
+              </a:rPr>
+              <a:t>. </a:t>
+            </a:r>
+            <a:r>
+              <a:rPr lang="ko-KR" altLang="en-US" sz="1400" dirty="0">
+                <a:solidFill>
+                  <a:schemeClr val="bg1"/>
+                </a:solidFill>
+              </a:rPr>
+              <a:t>맡은 파트를 작업할 때 그전의 프로젝트 때보다 더 확실하게 방향성을 잡을 수 있었고  배운 내용들을 복습할 수 있는 경험이 되었으며</a:t>
+            </a:r>
+            <a:r>
+              <a:rPr lang="en-US" altLang="ko-KR" sz="1400" dirty="0">
+                <a:solidFill>
+                  <a:schemeClr val="bg1"/>
+                </a:solidFill>
+              </a:rPr>
+              <a:t>, </a:t>
+            </a:r>
+            <a:r>
+              <a:rPr lang="ko-KR" altLang="en-US" sz="1400" dirty="0">
+                <a:solidFill>
+                  <a:schemeClr val="bg1"/>
+                </a:solidFill>
+              </a:rPr>
+              <a:t>새로 알게 된 내용들을 그저 눈에 익히고 넘어가는 게 아니라 내 것으로 소화하며 따로 </a:t>
+            </a:r>
+            <a:r>
+              <a:rPr lang="ko-KR" altLang="en-US" sz="1400" dirty="0" err="1">
+                <a:solidFill>
+                  <a:schemeClr val="bg1"/>
+                </a:solidFill>
+              </a:rPr>
+              <a:t>정리해두어야겠다는</a:t>
+            </a:r>
+            <a:r>
+              <a:rPr lang="ko-KR" altLang="en-US" sz="1400" dirty="0">
+                <a:solidFill>
+                  <a:schemeClr val="bg1"/>
+                </a:solidFill>
+              </a:rPr>
+              <a:t> 생각이 들었습니다</a:t>
+            </a:r>
+            <a:r>
+              <a:rPr lang="en-US" altLang="ko-KR" sz="1400" dirty="0">
+                <a:solidFill>
+                  <a:schemeClr val="bg1"/>
+                </a:solidFill>
+              </a:rPr>
+              <a:t>.</a:t>
+            </a:r>
+            <a:endParaRPr lang="en-US" altLang="ko-KR" sz="1400" dirty="0" smtClean="0">
+              <a:solidFill>
+                <a:schemeClr val="bg1"/>
+              </a:solidFill>
+            </a:endParaRPr>
+          </a:p>
+          <a:p>
+            <a:pPr algn="just">
+              <a:lnSpc>
+                <a:spcPct val="110000"/>
+              </a:lnSpc>
+            </a:pPr>
+            <a:endParaRPr lang="en-US" altLang="ko-KR" sz="1400" dirty="0" smtClean="0">
+              <a:solidFill>
+                <a:schemeClr val="bg1"/>
+              </a:solidFill>
+            </a:endParaRPr>
+          </a:p>
+          <a:p>
+            <a:pPr algn="just">
+              <a:lnSpc>
+                <a:spcPct val="110000"/>
+              </a:lnSpc>
+            </a:pPr>
+            <a:r>
+              <a:rPr lang="ko-KR" altLang="en-US" sz="1400" dirty="0" smtClean="0">
+                <a:solidFill>
+                  <a:schemeClr val="bg1"/>
+                </a:solidFill>
+              </a:rPr>
+              <a:t>김보성 </a:t>
+            </a:r>
+            <a:r>
+              <a:rPr lang="en-US" altLang="ko-KR" sz="1400" dirty="0" smtClean="0">
+                <a:solidFill>
+                  <a:schemeClr val="bg1"/>
+                </a:solidFill>
+              </a:rPr>
+              <a:t>: </a:t>
+            </a:r>
+            <a:r>
+              <a:rPr lang="ko-KR" altLang="en-US" sz="1400" dirty="0" smtClean="0">
+                <a:solidFill>
+                  <a:schemeClr val="bg1"/>
+                </a:solidFill>
+              </a:rPr>
+              <a:t>프로젝트를 </a:t>
+            </a:r>
+            <a:r>
+              <a:rPr lang="ko-KR" altLang="en-US" sz="1400" dirty="0">
+                <a:solidFill>
+                  <a:schemeClr val="bg1"/>
+                </a:solidFill>
+              </a:rPr>
+              <a:t>진행하면서 많이 배웠고 그리고 아직 많이 부족 하단 걸 느꼈습니다</a:t>
+            </a:r>
+            <a:r>
+              <a:rPr lang="en-US" altLang="ko-KR" sz="1400" dirty="0">
+                <a:solidFill>
+                  <a:schemeClr val="bg1"/>
+                </a:solidFill>
+              </a:rPr>
+              <a:t>. </a:t>
+            </a:r>
+            <a:r>
+              <a:rPr lang="ko-KR" altLang="en-US" sz="1400" dirty="0" smtClean="0">
+                <a:solidFill>
+                  <a:schemeClr val="bg1"/>
+                </a:solidFill>
+              </a:rPr>
+              <a:t>모르는 </a:t>
+            </a:r>
+            <a:r>
+              <a:rPr lang="ko-KR" altLang="en-US" sz="1400" dirty="0">
+                <a:solidFill>
+                  <a:schemeClr val="bg1"/>
+                </a:solidFill>
+              </a:rPr>
+              <a:t>부분은 코드 리뷰를 통해 익힐 수 있도록 하고 공부해 나가야 하겠다 생각했습니다</a:t>
+            </a:r>
+            <a:r>
+              <a:rPr lang="en-US" altLang="ko-KR" sz="1400" dirty="0">
+                <a:solidFill>
+                  <a:schemeClr val="bg1"/>
+                </a:solidFill>
+              </a:rPr>
+              <a:t>.</a:t>
+            </a:r>
+            <a:endParaRPr lang="en-US" altLang="ko-KR" sz="1400" dirty="0" smtClean="0">
+              <a:solidFill>
+                <a:schemeClr val="bg1"/>
+              </a:solidFill>
             </a:endParaRPr>
           </a:p>
         </p:txBody>
@@ -5080,7 +5891,7 @@
     </p:spTree>
     <p:extLst>
       <p:ext uri="{BB962C8B-B14F-4D97-AF65-F5344CB8AC3E}">
-        <p14:creationId xmlns:p14="http://schemas.microsoft.com/office/powerpoint/2010/main" val="1508375483"/>
+        <p14:creationId xmlns:p14="http://schemas.microsoft.com/office/powerpoint/2010/main" val="1432023040"/>
       </p:ext>
     </p:extLst>
   </p:cSld>
@@ -5112,6 +5923,14 @@
 <file path=ppt/slides/slide15.xml><?xml version="1.0" encoding="utf-8"?>
 <p:sld xmlns:a="http://schemas.openxmlformats.org/drawingml/2006/main" xmlns:r="http://schemas.openxmlformats.org/officeDocument/2006/relationships" xmlns:p="http://schemas.openxmlformats.org/presentationml/2006/main">
   <p:cSld>
+    <p:bg>
+      <p:bgPr>
+        <a:solidFill>
+          <a:srgbClr val="000000"/>
+        </a:solidFill>
+        <a:effectLst/>
+      </p:bgPr>
+    </p:bg>
     <p:spTree>
       <p:nvGrpSpPr>
         <p:cNvPr id="1" name=""/>
@@ -5131,7 +5950,7 @@
           <p:cNvPr id="3" name="그림 2">
             <a:extLst>
               <a:ext uri="{FF2B5EF4-FFF2-40B4-BE49-F238E27FC236}">
-                <a16:creationId xmlns:a16="http://schemas.microsoft.com/office/drawing/2014/main" id="{1D635ED1-ED7F-42FF-BBC4-E015AAC1D1AD}"/>
+                <a16:creationId xmlns:a16="http://schemas.microsoft.com/office/drawing/2014/main" id="{F40275B1-1ED2-46EC-B94E-A871976CEDC8}"/>
               </a:ext>
             </a:extLst>
           </p:cNvPr>
@@ -5140,7 +5959,7 @@
           </p:cNvPicPr>
           <p:nvPr/>
         </p:nvPicPr>
-        <p:blipFill>
+        <p:blipFill rotWithShape="1">
           <a:blip r:embed="rId2" cstate="screen">
             <a:extLst>
               <a:ext uri="{28A0092B-C50C-407E-A947-70E740481C1C}">
@@ -5148,14 +5967,13 @@
               </a:ext>
             </a:extLst>
           </a:blip>
-          <a:stretch>
-            <a:fillRect/>
-          </a:stretch>
+          <a:srcRect/>
+          <a:stretch/>
         </p:blipFill>
         <p:spPr>
           <a:xfrm>
-            <a:off x="837" y="0"/>
-            <a:ext cx="12190326" cy="6858000"/>
+            <a:off x="1805" y="0"/>
+            <a:ext cx="12188389" cy="6136640"/>
           </a:xfrm>
           <a:prstGeom prst="rect">
             <a:avLst/>
@@ -5164,74 +5982,20 @@
       </p:pic>
       <p:sp>
         <p:nvSpPr>
-          <p:cNvPr id="2" name="직사각형 1">
-            <a:extLst>
-              <a:ext uri="{FF2B5EF4-FFF2-40B4-BE49-F238E27FC236}">
-                <a16:creationId xmlns:a16="http://schemas.microsoft.com/office/drawing/2014/main" id="{0E00438A-FA4D-4AC6-AD9E-C18057FDD8C0}"/>
-              </a:ext>
-            </a:extLst>
-          </p:cNvPr>
-          <p:cNvSpPr/>
+          <p:cNvPr id="2" name="TextBox 1">
+            <a:extLst>
+              <a:ext uri="{FF2B5EF4-FFF2-40B4-BE49-F238E27FC236}">
+                <a16:creationId xmlns:a16="http://schemas.microsoft.com/office/drawing/2014/main" id="{63EFA6DD-21EE-48EA-B3A6-A6C68834365A}"/>
+              </a:ext>
+            </a:extLst>
+          </p:cNvPr>
+          <p:cNvSpPr txBox="1"/>
           <p:nvPr/>
         </p:nvSpPr>
         <p:spPr>
           <a:xfrm>
-            <a:off x="0" y="0"/>
-            <a:ext cx="12192000" cy="6858000"/>
-          </a:xfrm>
-          <a:prstGeom prst="rect">
-            <a:avLst/>
-          </a:prstGeom>
-          <a:solidFill>
-            <a:schemeClr val="accent1">
-              <a:alpha val="60000"/>
-            </a:schemeClr>
-          </a:solidFill>
-          <a:ln>
-            <a:noFill/>
-          </a:ln>
-        </p:spPr>
-        <p:style>
-          <a:lnRef idx="2">
-            <a:schemeClr val="accent1">
-              <a:shade val="50000"/>
-            </a:schemeClr>
-          </a:lnRef>
-          <a:fillRef idx="1">
-            <a:schemeClr val="accent1"/>
-          </a:fillRef>
-          <a:effectRef idx="0">
-            <a:schemeClr val="accent1"/>
-          </a:effectRef>
-          <a:fontRef idx="minor">
-            <a:schemeClr val="lt1"/>
-          </a:fontRef>
-        </p:style>
-        <p:txBody>
-          <a:bodyPr rtlCol="0" anchor="ctr"/>
-          <a:lstStyle/>
-          <a:p>
-            <a:pPr algn="ctr"/>
-            <a:endParaRPr lang="ko-KR" altLang="en-US"/>
-          </a:p>
-        </p:txBody>
-      </p:sp>
-      <p:sp>
-        <p:nvSpPr>
-          <p:cNvPr id="4" name="TextBox 3">
-            <a:extLst>
-              <a:ext uri="{FF2B5EF4-FFF2-40B4-BE49-F238E27FC236}">
-                <a16:creationId xmlns:a16="http://schemas.microsoft.com/office/drawing/2014/main" id="{44A48078-82E0-46B0-BFB6-AC766ABB0F40}"/>
-              </a:ext>
-            </a:extLst>
-          </p:cNvPr>
-          <p:cNvSpPr txBox="1"/>
-          <p:nvPr/>
-        </p:nvSpPr>
-        <p:spPr>
-          <a:xfrm>
-            <a:off x="4362480" y="3034175"/>
-            <a:ext cx="3467039" cy="769441"/>
+            <a:off x="3934192" y="5671820"/>
+            <a:ext cx="4323620" cy="707886"/>
           </a:xfrm>
           <a:prstGeom prst="rect">
             <a:avLst/>
@@ -5246,33 +6010,31 @@
           <a:p>
             <a:pPr algn="ctr"/>
             <a:r>
-              <a:rPr lang="en-US" altLang="ko-KR" sz="4400" dirty="0">
-                <a:solidFill>
-                  <a:schemeClr val="bg1"/>
-                </a:solidFill>
-              </a:rPr>
-              <a:t>THANK</a:t>
-            </a:r>
-            <a:r>
-              <a:rPr lang="ko-KR" altLang="en-US" sz="4400" dirty="0">
-                <a:solidFill>
-                  <a:schemeClr val="bg1"/>
-                </a:solidFill>
-              </a:rPr>
-              <a:t> </a:t>
-            </a:r>
-            <a:r>
-              <a:rPr lang="en-US" altLang="ko-KR" sz="4400" dirty="0">
-                <a:solidFill>
-                  <a:schemeClr val="bg1"/>
-                </a:solidFill>
-              </a:rPr>
-              <a:t>YOU</a:t>
-            </a:r>
-            <a:endParaRPr lang="ko-KR" altLang="en-US" sz="4400" dirty="0">
+              <a:rPr lang="en-US" altLang="ko-KR" sz="4000" spc="-150" dirty="0" smtClean="0">
+                <a:solidFill>
+                  <a:schemeClr val="accent6"/>
+                </a:solidFill>
+                <a:latin typeface="+mj-ea"/>
+                <a:ea typeface="+mj-ea"/>
+              </a:rPr>
+              <a:t>Q&amp;A </a:t>
+            </a:r>
+            <a:r>
+              <a:rPr lang="ko-KR" altLang="en-US" sz="4000" spc="-150" dirty="0" smtClean="0">
+                <a:solidFill>
+                  <a:schemeClr val="accent6"/>
+                </a:solidFill>
+                <a:latin typeface="+mj-ea"/>
+                <a:ea typeface="+mj-ea"/>
+              </a:rPr>
+              <a:t>질문해주세요</a:t>
+            </a:r>
+            <a:endParaRPr lang="ko-KR" altLang="en-US" sz="4000" spc="-150" dirty="0">
               <a:solidFill>
-                <a:schemeClr val="bg1"/>
+                <a:schemeClr val="accent6"/>
               </a:solidFill>
+              <a:latin typeface="+mj-ea"/>
+              <a:ea typeface="+mj-ea"/>
             </a:endParaRPr>
           </a:p>
         </p:txBody>
@@ -5280,7 +6042,7 @@
     </p:spTree>
     <p:extLst>
       <p:ext uri="{BB962C8B-B14F-4D97-AF65-F5344CB8AC3E}">
-        <p14:creationId xmlns:p14="http://schemas.microsoft.com/office/powerpoint/2010/main" val="1129498014"/>
+        <p14:creationId xmlns:p14="http://schemas.microsoft.com/office/powerpoint/2010/main" val="1508375483"/>
       </p:ext>
     </p:extLst>
   </p:cSld>
@@ -5331,7 +6093,7 @@
           <p:cNvPr id="3" name="그림 2">
             <a:extLst>
               <a:ext uri="{FF2B5EF4-FFF2-40B4-BE49-F238E27FC236}">
-                <a16:creationId xmlns:a16="http://schemas.microsoft.com/office/drawing/2014/main" id="{52A71C6D-3FC9-4ACB-8F32-BB5BB9CA6520}"/>
+                <a16:creationId xmlns:a16="http://schemas.microsoft.com/office/drawing/2014/main" id="{1D635ED1-ED7F-42FF-BBC4-E015AAC1D1AD}"/>
               </a:ext>
             </a:extLst>
           </p:cNvPr>
@@ -5340,7 +6102,7 @@
           </p:cNvPicPr>
           <p:nvPr/>
         </p:nvPicPr>
-        <p:blipFill rotWithShape="1">
+        <p:blipFill>
           <a:blip r:embed="rId2" cstate="screen">
             <a:extLst>
               <a:ext uri="{28A0092B-C50C-407E-A947-70E740481C1C}">
@@ -5348,9 +6110,32 @@
               </a:ext>
             </a:extLst>
           </a:blip>
-          <a:srcRect/>
-          <a:stretch/>
+          <a:stretch>
+            <a:fillRect/>
+          </a:stretch>
         </p:blipFill>
+        <p:spPr>
+          <a:xfrm>
+            <a:off x="837" y="0"/>
+            <a:ext cx="12190326" cy="6858000"/>
+          </a:xfrm>
+          <a:prstGeom prst="rect">
+            <a:avLst/>
+          </a:prstGeom>
+        </p:spPr>
+      </p:pic>
+      <p:sp>
+        <p:nvSpPr>
+          <p:cNvPr id="2" name="직사각형 1">
+            <a:extLst>
+              <a:ext uri="{FF2B5EF4-FFF2-40B4-BE49-F238E27FC236}">
+                <a16:creationId xmlns:a16="http://schemas.microsoft.com/office/drawing/2014/main" id="{0E00438A-FA4D-4AC6-AD9E-C18057FDD8C0}"/>
+              </a:ext>
+            </a:extLst>
+          </p:cNvPr>
+          <p:cNvSpPr/>
+          <p:nvPr/>
+        </p:nvSpPr>
         <p:spPr>
           <a:xfrm>
             <a:off x="0" y="0"/>
@@ -5359,14 +6144,46 @@
           <a:prstGeom prst="rect">
             <a:avLst/>
           </a:prstGeom>
+          <a:solidFill>
+            <a:schemeClr val="accent1">
+              <a:alpha val="60000"/>
+            </a:schemeClr>
+          </a:solidFill>
+          <a:ln>
+            <a:noFill/>
+          </a:ln>
         </p:spPr>
-      </p:pic>
-      <p:sp>
-        <p:nvSpPr>
-          <p:cNvPr id="7" name="TextBox 6">
-            <a:extLst>
-              <a:ext uri="{FF2B5EF4-FFF2-40B4-BE49-F238E27FC236}">
-                <a16:creationId xmlns:a16="http://schemas.microsoft.com/office/drawing/2014/main" id="{B5A420B0-4447-4446-832A-B193CF79F776}"/>
+        <p:style>
+          <a:lnRef idx="2">
+            <a:schemeClr val="accent1">
+              <a:shade val="50000"/>
+            </a:schemeClr>
+          </a:lnRef>
+          <a:fillRef idx="1">
+            <a:schemeClr val="accent1"/>
+          </a:fillRef>
+          <a:effectRef idx="0">
+            <a:schemeClr val="accent1"/>
+          </a:effectRef>
+          <a:fontRef idx="minor">
+            <a:schemeClr val="lt1"/>
+          </a:fontRef>
+        </p:style>
+        <p:txBody>
+          <a:bodyPr rtlCol="0" anchor="ctr"/>
+          <a:lstStyle/>
+          <a:p>
+            <a:pPr algn="ctr"/>
+            <a:endParaRPr lang="ko-KR" altLang="en-US"/>
+          </a:p>
+        </p:txBody>
+      </p:sp>
+      <p:sp>
+        <p:nvSpPr>
+          <p:cNvPr id="4" name="TextBox 3">
+            <a:extLst>
+              <a:ext uri="{FF2B5EF4-FFF2-40B4-BE49-F238E27FC236}">
+                <a16:creationId xmlns:a16="http://schemas.microsoft.com/office/drawing/2014/main" id="{44A48078-82E0-46B0-BFB6-AC766ABB0F40}"/>
               </a:ext>
             </a:extLst>
           </p:cNvPr>
@@ -5375,8 +6192,8 @@
         </p:nvSpPr>
         <p:spPr>
           <a:xfrm>
-            <a:off x="6003632" y="3262771"/>
-            <a:ext cx="184731" cy="646331"/>
+            <a:off x="4362480" y="3034175"/>
+            <a:ext cx="3467039" cy="769441"/>
           </a:xfrm>
           <a:prstGeom prst="rect">
             <a:avLst/>
@@ -5390,566 +6207,42 @@
           <a:lstStyle/>
           <a:p>
             <a:pPr algn="ctr"/>
-            <a:endParaRPr lang="ko-KR" altLang="en-US" sz="3600" spc="-300" dirty="0">
+            <a:r>
+              <a:rPr lang="en-US" altLang="ko-KR" sz="4400" dirty="0">
+                <a:solidFill>
+                  <a:schemeClr val="bg1"/>
+                </a:solidFill>
+              </a:rPr>
+              <a:t>THANK</a:t>
+            </a:r>
+            <a:r>
+              <a:rPr lang="ko-KR" altLang="en-US" sz="4400" dirty="0">
+                <a:solidFill>
+                  <a:schemeClr val="bg1"/>
+                </a:solidFill>
+              </a:rPr>
+              <a:t> </a:t>
+            </a:r>
+            <a:r>
+              <a:rPr lang="en-US" altLang="ko-KR" sz="4400" dirty="0">
+                <a:solidFill>
+                  <a:schemeClr val="bg1"/>
+                </a:solidFill>
+              </a:rPr>
+              <a:t>YOU</a:t>
+            </a:r>
+            <a:endParaRPr lang="ko-KR" altLang="en-US" sz="4400" dirty="0">
               <a:solidFill>
-                <a:schemeClr val="accent6"/>
+                <a:schemeClr val="bg1"/>
               </a:solidFill>
             </a:endParaRPr>
           </a:p>
         </p:txBody>
       </p:sp>
-      <p:sp>
-        <p:nvSpPr>
-          <p:cNvPr id="8" name="TextBox 7">
-            <a:extLst>
-              <a:ext uri="{FF2B5EF4-FFF2-40B4-BE49-F238E27FC236}">
-                <a16:creationId xmlns:a16="http://schemas.microsoft.com/office/drawing/2014/main" id="{6DCFF045-76E5-4311-BF73-F6435BA26739}"/>
-              </a:ext>
-            </a:extLst>
-          </p:cNvPr>
-          <p:cNvSpPr txBox="1"/>
-          <p:nvPr/>
-        </p:nvSpPr>
-        <p:spPr>
-          <a:xfrm>
-            <a:off x="865369" y="853458"/>
-            <a:ext cx="9043402" cy="2308324"/>
-          </a:xfrm>
-          <a:prstGeom prst="rect">
-            <a:avLst/>
-          </a:prstGeom>
-          <a:noFill/>
-        </p:spPr>
-        <p:txBody>
-          <a:bodyPr wrap="square" rtlCol="0">
-            <a:spAutoFit/>
-          </a:bodyPr>
-          <a:lstStyle/>
-          <a:p>
-            <a:r>
-              <a:rPr lang="ko-KR" altLang="en-US" sz="1600" spc="600" dirty="0" smtClean="0">
-                <a:solidFill>
-                  <a:schemeClr val="accent6"/>
-                </a:solidFill>
-              </a:rPr>
-              <a:t>주요내용</a:t>
-            </a:r>
-            <a:endParaRPr lang="en-US" altLang="ko-KR" sz="1600" spc="600" dirty="0" smtClean="0">
-              <a:solidFill>
-                <a:schemeClr val="accent6"/>
-              </a:solidFill>
-            </a:endParaRPr>
-          </a:p>
-          <a:p>
-            <a:pPr marL="285750" indent="-285750">
-              <a:buFont typeface="Arial" panose="020B0604020202020204" pitchFamily="34" charset="0"/>
-              <a:buChar char="•"/>
-            </a:pPr>
-            <a:r>
-              <a:rPr lang="ko-KR" altLang="en-US" sz="1600" spc="600" dirty="0" err="1" smtClean="0">
-                <a:solidFill>
-                  <a:schemeClr val="accent6"/>
-                </a:solidFill>
-              </a:rPr>
-              <a:t>메인화면</a:t>
-            </a:r>
-            <a:endParaRPr lang="en-US" altLang="ko-KR" sz="1600" spc="600" dirty="0" smtClean="0">
-              <a:solidFill>
-                <a:schemeClr val="accent6"/>
-              </a:solidFill>
-            </a:endParaRPr>
-          </a:p>
-          <a:p>
-            <a:pPr marL="285750" indent="-285750">
-              <a:buFont typeface="Arial" panose="020B0604020202020204" pitchFamily="34" charset="0"/>
-              <a:buChar char="•"/>
-            </a:pPr>
-            <a:r>
-              <a:rPr lang="ko-KR" altLang="en-US" sz="1600" spc="600" dirty="0" smtClean="0">
-                <a:solidFill>
-                  <a:schemeClr val="accent6"/>
-                </a:solidFill>
-              </a:rPr>
-              <a:t>회원가입</a:t>
-            </a:r>
-            <a:r>
-              <a:rPr lang="en-US" altLang="ko-KR" sz="1600" spc="600" dirty="0" smtClean="0">
-                <a:solidFill>
-                  <a:schemeClr val="accent6"/>
-                </a:solidFill>
-              </a:rPr>
-              <a:t>(</a:t>
-            </a:r>
-            <a:r>
-              <a:rPr lang="ko-KR" altLang="en-US" sz="1600" spc="600" dirty="0" smtClean="0">
-                <a:solidFill>
-                  <a:schemeClr val="accent6"/>
-                </a:solidFill>
-              </a:rPr>
-              <a:t>생략</a:t>
-            </a:r>
-            <a:r>
-              <a:rPr lang="en-US" altLang="ko-KR" sz="1600" spc="600" dirty="0" smtClean="0">
-                <a:solidFill>
-                  <a:schemeClr val="accent6"/>
-                </a:solidFill>
-              </a:rPr>
-              <a:t>)</a:t>
-            </a:r>
-          </a:p>
-          <a:p>
-            <a:pPr marL="742950" lvl="1" indent="-285750">
-              <a:buFont typeface="Arial" panose="020B0604020202020204" pitchFamily="34" charset="0"/>
-              <a:buChar char="•"/>
-            </a:pPr>
-            <a:r>
-              <a:rPr lang="ko-KR" altLang="en-US" sz="1600" spc="600" dirty="0" smtClean="0">
-                <a:solidFill>
-                  <a:schemeClr val="accent6"/>
-                </a:solidFill>
-              </a:rPr>
-              <a:t>상품주문</a:t>
-            </a:r>
-            <a:r>
-              <a:rPr lang="en-US" altLang="ko-KR" sz="1600" spc="600" dirty="0" smtClean="0">
-                <a:solidFill>
-                  <a:schemeClr val="accent6"/>
-                </a:solidFill>
-              </a:rPr>
-              <a:t>(</a:t>
-            </a:r>
-            <a:r>
-              <a:rPr lang="ko-KR" altLang="en-US" sz="1600" spc="600" dirty="0" smtClean="0">
-                <a:solidFill>
-                  <a:schemeClr val="accent6"/>
-                </a:solidFill>
-              </a:rPr>
-              <a:t>장바구니</a:t>
-            </a:r>
-            <a:r>
-              <a:rPr lang="en-US" altLang="ko-KR" sz="1600" spc="600" dirty="0" smtClean="0">
-                <a:solidFill>
-                  <a:schemeClr val="accent6"/>
-                </a:solidFill>
-              </a:rPr>
-              <a:t>/</a:t>
-            </a:r>
-            <a:r>
-              <a:rPr lang="ko-KR" altLang="en-US" sz="1600" spc="600" dirty="0" err="1" smtClean="0">
-                <a:solidFill>
-                  <a:schemeClr val="accent6"/>
-                </a:solidFill>
-              </a:rPr>
-              <a:t>바로구매</a:t>
-            </a:r>
-            <a:r>
-              <a:rPr lang="en-US" altLang="ko-KR" sz="1600" spc="600" dirty="0" smtClean="0">
-                <a:solidFill>
-                  <a:schemeClr val="accent6"/>
-                </a:solidFill>
-              </a:rPr>
-              <a:t>)</a:t>
-            </a:r>
-          </a:p>
-          <a:p>
-            <a:pPr marL="742950" lvl="1" indent="-285750">
-              <a:buFont typeface="Arial" panose="020B0604020202020204" pitchFamily="34" charset="0"/>
-              <a:buChar char="•"/>
-            </a:pPr>
-            <a:r>
-              <a:rPr lang="ko-KR" altLang="en-US" sz="1600" spc="600" dirty="0" err="1" smtClean="0">
-                <a:solidFill>
-                  <a:schemeClr val="accent6"/>
-                </a:solidFill>
-              </a:rPr>
-              <a:t>마이페이지</a:t>
-            </a:r>
-            <a:r>
-              <a:rPr lang="en-US" altLang="ko-KR" sz="1600" spc="600" dirty="0" smtClean="0">
-                <a:solidFill>
-                  <a:schemeClr val="accent6"/>
-                </a:solidFill>
-              </a:rPr>
-              <a:t>(</a:t>
-            </a:r>
-            <a:r>
-              <a:rPr lang="ko-KR" altLang="en-US" sz="1600" spc="600" dirty="0" smtClean="0">
-                <a:solidFill>
-                  <a:schemeClr val="accent6"/>
-                </a:solidFill>
-              </a:rPr>
-              <a:t>주문조회</a:t>
-            </a:r>
-            <a:r>
-              <a:rPr lang="en-US" altLang="ko-KR" sz="1600" spc="600" dirty="0" smtClean="0">
-                <a:solidFill>
-                  <a:schemeClr val="accent6"/>
-                </a:solidFill>
-              </a:rPr>
-              <a:t>/</a:t>
-            </a:r>
-            <a:r>
-              <a:rPr lang="ko-KR" altLang="en-US" sz="1600" spc="600" dirty="0" smtClean="0">
-                <a:solidFill>
-                  <a:schemeClr val="accent6"/>
-                </a:solidFill>
-              </a:rPr>
-              <a:t>배송조회</a:t>
-            </a:r>
-            <a:r>
-              <a:rPr lang="en-US" altLang="ko-KR" sz="1600" spc="600" dirty="0" smtClean="0">
-                <a:solidFill>
-                  <a:schemeClr val="accent6"/>
-                </a:solidFill>
-              </a:rPr>
-              <a:t>)</a:t>
-            </a:r>
-          </a:p>
-          <a:p>
-            <a:pPr marL="742950" lvl="1" indent="-285750">
-              <a:buFont typeface="Arial" panose="020B0604020202020204" pitchFamily="34" charset="0"/>
-              <a:buChar char="•"/>
-            </a:pPr>
-            <a:r>
-              <a:rPr lang="ko-KR" altLang="en-US" sz="1600" spc="600" dirty="0" smtClean="0">
-                <a:solidFill>
-                  <a:schemeClr val="accent6"/>
-                </a:solidFill>
-              </a:rPr>
-              <a:t>아이디 찾기</a:t>
-            </a:r>
-            <a:endParaRPr lang="en-US" altLang="ko-KR" sz="1600" spc="600" dirty="0">
-              <a:solidFill>
-                <a:schemeClr val="accent6"/>
-              </a:solidFill>
-            </a:endParaRPr>
-          </a:p>
-          <a:p>
-            <a:pPr marL="742950" lvl="1" indent="-285750">
-              <a:buFont typeface="Arial" panose="020B0604020202020204" pitchFamily="34" charset="0"/>
-              <a:buChar char="•"/>
-            </a:pPr>
-            <a:r>
-              <a:rPr lang="ko-KR" altLang="en-US" sz="1600" spc="600" dirty="0" smtClean="0">
-                <a:solidFill>
-                  <a:schemeClr val="accent6"/>
-                </a:solidFill>
-              </a:rPr>
-              <a:t>비밀번호 찾기</a:t>
-            </a:r>
-            <a:endParaRPr lang="en-US" altLang="ko-KR" sz="1600" spc="600" dirty="0" smtClean="0">
-              <a:solidFill>
-                <a:schemeClr val="accent6"/>
-              </a:solidFill>
-            </a:endParaRPr>
-          </a:p>
-          <a:p>
-            <a:pPr marL="285750" indent="-285750">
-              <a:buFont typeface="Arial" panose="020B0604020202020204" pitchFamily="34" charset="0"/>
-              <a:buChar char="•"/>
-            </a:pPr>
-            <a:r>
-              <a:rPr lang="ko-KR" altLang="en-US" sz="1600" spc="600" dirty="0" smtClean="0">
-                <a:solidFill>
-                  <a:schemeClr val="accent6"/>
-                </a:solidFill>
-              </a:rPr>
-              <a:t>비회원 주문</a:t>
-            </a:r>
-            <a:r>
-              <a:rPr lang="en-US" altLang="ko-KR" sz="1600" spc="600" dirty="0" smtClean="0">
-                <a:solidFill>
-                  <a:schemeClr val="accent6"/>
-                </a:solidFill>
-              </a:rPr>
-              <a:t>(</a:t>
-            </a:r>
-            <a:r>
-              <a:rPr lang="ko-KR" altLang="en-US" sz="1600" spc="600" dirty="0" smtClean="0">
-                <a:solidFill>
-                  <a:schemeClr val="accent6"/>
-                </a:solidFill>
-              </a:rPr>
-              <a:t>장바구니</a:t>
-            </a:r>
-            <a:r>
-              <a:rPr lang="en-US" altLang="ko-KR" sz="1600" spc="600" dirty="0" smtClean="0">
-                <a:solidFill>
-                  <a:schemeClr val="accent6"/>
-                </a:solidFill>
-              </a:rPr>
-              <a:t>/</a:t>
-            </a:r>
-            <a:r>
-              <a:rPr lang="ko-KR" altLang="en-US" sz="1600" spc="600" dirty="0" err="1" smtClean="0">
-                <a:solidFill>
-                  <a:schemeClr val="accent6"/>
-                </a:solidFill>
-              </a:rPr>
-              <a:t>바로구매</a:t>
-            </a:r>
-            <a:r>
-              <a:rPr lang="en-US" altLang="ko-KR" sz="1600" spc="600" dirty="0" smtClean="0">
-                <a:solidFill>
-                  <a:schemeClr val="accent6"/>
-                </a:solidFill>
-              </a:rPr>
-              <a:t>/</a:t>
-            </a:r>
-            <a:r>
-              <a:rPr lang="ko-KR" altLang="en-US" sz="1600" spc="600" dirty="0" smtClean="0">
-                <a:solidFill>
-                  <a:schemeClr val="accent6"/>
-                </a:solidFill>
-              </a:rPr>
-              <a:t>비회원 주문조회</a:t>
-            </a:r>
-            <a:r>
-              <a:rPr lang="en-US" altLang="ko-KR" sz="1600" spc="600" dirty="0" smtClean="0">
-                <a:solidFill>
-                  <a:schemeClr val="accent6"/>
-                </a:solidFill>
-              </a:rPr>
-              <a:t>)</a:t>
-            </a:r>
-          </a:p>
-          <a:p>
-            <a:pPr marL="285750" indent="-285750">
-              <a:buFont typeface="Arial" panose="020B0604020202020204" pitchFamily="34" charset="0"/>
-              <a:buChar char="•"/>
-            </a:pPr>
-            <a:r>
-              <a:rPr lang="ko-KR" altLang="en-US" sz="1600" spc="600" dirty="0" smtClean="0">
-                <a:solidFill>
-                  <a:schemeClr val="accent6"/>
-                </a:solidFill>
-              </a:rPr>
-              <a:t>관리자</a:t>
-            </a:r>
-            <a:r>
-              <a:rPr lang="en-US" altLang="ko-KR" sz="1600" spc="600" dirty="0" smtClean="0">
-                <a:solidFill>
-                  <a:schemeClr val="accent6"/>
-                </a:solidFill>
-              </a:rPr>
-              <a:t>(</a:t>
-            </a:r>
-            <a:r>
-              <a:rPr lang="ko-KR" altLang="en-US" sz="1600" spc="600" dirty="0" err="1" smtClean="0">
-                <a:solidFill>
-                  <a:schemeClr val="accent6"/>
-                </a:solidFill>
-              </a:rPr>
-              <a:t>상품현황</a:t>
-            </a:r>
-            <a:r>
-              <a:rPr lang="en-US" altLang="ko-KR" sz="1600" spc="600" dirty="0" smtClean="0">
-                <a:solidFill>
-                  <a:schemeClr val="accent6"/>
-                </a:solidFill>
-              </a:rPr>
-              <a:t>/</a:t>
-            </a:r>
-            <a:r>
-              <a:rPr lang="ko-KR" altLang="en-US" sz="1600" spc="600" dirty="0" smtClean="0">
-                <a:solidFill>
-                  <a:schemeClr val="accent6"/>
-                </a:solidFill>
-              </a:rPr>
-              <a:t>카테고리</a:t>
-            </a:r>
-            <a:r>
-              <a:rPr lang="en-US" altLang="ko-KR" sz="1600" spc="600" dirty="0" smtClean="0">
-                <a:solidFill>
-                  <a:schemeClr val="accent6"/>
-                </a:solidFill>
-              </a:rPr>
-              <a:t>/</a:t>
-            </a:r>
-            <a:r>
-              <a:rPr lang="ko-KR" altLang="en-US" sz="1600" spc="600" dirty="0" smtClean="0">
-                <a:solidFill>
-                  <a:schemeClr val="accent6"/>
-                </a:solidFill>
-              </a:rPr>
-              <a:t>상품등록</a:t>
-            </a:r>
-            <a:r>
-              <a:rPr lang="en-US" altLang="ko-KR" sz="1600" spc="600" dirty="0" smtClean="0">
-                <a:solidFill>
-                  <a:schemeClr val="accent6"/>
-                </a:solidFill>
-              </a:rPr>
-              <a:t>/</a:t>
-            </a:r>
-            <a:r>
-              <a:rPr lang="ko-KR" altLang="en-US" sz="1600" spc="600" dirty="0" smtClean="0">
-                <a:solidFill>
-                  <a:schemeClr val="accent6"/>
-                </a:solidFill>
-              </a:rPr>
-              <a:t>재고관리</a:t>
-            </a:r>
-            <a:r>
-              <a:rPr lang="en-US" altLang="ko-KR" sz="1600" spc="600" dirty="0" smtClean="0">
-                <a:solidFill>
-                  <a:schemeClr val="accent6"/>
-                </a:solidFill>
-              </a:rPr>
-              <a:t>/</a:t>
-            </a:r>
-            <a:r>
-              <a:rPr lang="ko-KR" altLang="en-US" sz="1600" spc="600" dirty="0" smtClean="0">
-                <a:solidFill>
-                  <a:schemeClr val="accent6"/>
-                </a:solidFill>
-              </a:rPr>
-              <a:t>상품검색</a:t>
-            </a:r>
-            <a:r>
-              <a:rPr lang="en-US" altLang="ko-KR" sz="1600" spc="600" dirty="0" smtClean="0">
-                <a:solidFill>
-                  <a:schemeClr val="accent6"/>
-                </a:solidFill>
-              </a:rPr>
-              <a:t>)</a:t>
-            </a:r>
-          </a:p>
-        </p:txBody>
-      </p:sp>
-      <p:cxnSp>
-        <p:nvCxnSpPr>
-          <p:cNvPr id="14" name="직선 연결선 13">
-            <a:extLst>
-              <a:ext uri="{FF2B5EF4-FFF2-40B4-BE49-F238E27FC236}">
-                <a16:creationId xmlns:a16="http://schemas.microsoft.com/office/drawing/2014/main" id="{F3F63FED-FAEC-4CDD-A60B-AFCB761E3740}"/>
-              </a:ext>
-            </a:extLst>
-          </p:cNvPr>
-          <p:cNvCxnSpPr>
-            <a:cxnSpLocks/>
-          </p:cNvCxnSpPr>
-          <p:nvPr/>
-        </p:nvCxnSpPr>
-        <p:spPr>
-          <a:xfrm>
-            <a:off x="287668" y="198470"/>
-            <a:ext cx="11861800" cy="0"/>
-          </a:xfrm>
-          <a:prstGeom prst="line">
-            <a:avLst/>
-          </a:prstGeom>
-          <a:ln>
-            <a:solidFill>
-              <a:schemeClr val="accent6"/>
-            </a:solidFill>
-          </a:ln>
-        </p:spPr>
-        <p:style>
-          <a:lnRef idx="1">
-            <a:schemeClr val="accent1"/>
-          </a:lnRef>
-          <a:fillRef idx="0">
-            <a:schemeClr val="accent1"/>
-          </a:fillRef>
-          <a:effectRef idx="0">
-            <a:schemeClr val="accent1"/>
-          </a:effectRef>
-          <a:fontRef idx="minor">
-            <a:schemeClr val="tx1"/>
-          </a:fontRef>
-        </p:style>
-      </p:cxnSp>
-      <p:cxnSp>
-        <p:nvCxnSpPr>
-          <p:cNvPr id="16" name="직선 연결선 15">
-            <a:extLst>
-              <a:ext uri="{FF2B5EF4-FFF2-40B4-BE49-F238E27FC236}">
-                <a16:creationId xmlns:a16="http://schemas.microsoft.com/office/drawing/2014/main" id="{7CAD2DD1-51A5-40EF-A967-25936E2EF244}"/>
-              </a:ext>
-            </a:extLst>
-          </p:cNvPr>
-          <p:cNvCxnSpPr>
-            <a:cxnSpLocks/>
-          </p:cNvCxnSpPr>
-          <p:nvPr/>
-        </p:nvCxnSpPr>
-        <p:spPr>
-          <a:xfrm>
-            <a:off x="255769" y="198470"/>
-            <a:ext cx="609600" cy="0"/>
-          </a:xfrm>
-          <a:prstGeom prst="line">
-            <a:avLst/>
-          </a:prstGeom>
-          <a:ln w="57150">
-            <a:solidFill>
-              <a:schemeClr val="accent6"/>
-            </a:solidFill>
-          </a:ln>
-        </p:spPr>
-        <p:style>
-          <a:lnRef idx="1">
-            <a:schemeClr val="accent1"/>
-          </a:lnRef>
-          <a:fillRef idx="0">
-            <a:schemeClr val="accent1"/>
-          </a:fillRef>
-          <a:effectRef idx="0">
-            <a:schemeClr val="accent1"/>
-          </a:effectRef>
-          <a:fontRef idx="minor">
-            <a:schemeClr val="tx1"/>
-          </a:fontRef>
-        </p:style>
-      </p:cxnSp>
-      <p:cxnSp>
-        <p:nvCxnSpPr>
-          <p:cNvPr id="19" name="직선 연결선 18">
-            <a:extLst>
-              <a:ext uri="{FF2B5EF4-FFF2-40B4-BE49-F238E27FC236}">
-                <a16:creationId xmlns:a16="http://schemas.microsoft.com/office/drawing/2014/main" id="{01EA1DCA-6C9B-4AC6-8E45-734183B280F6}"/>
-              </a:ext>
-            </a:extLst>
-          </p:cNvPr>
-          <p:cNvCxnSpPr>
-            <a:cxnSpLocks/>
-          </p:cNvCxnSpPr>
-          <p:nvPr/>
-        </p:nvCxnSpPr>
-        <p:spPr>
-          <a:xfrm>
-            <a:off x="1014228" y="6666614"/>
-            <a:ext cx="11861800" cy="0"/>
-          </a:xfrm>
-          <a:prstGeom prst="line">
-            <a:avLst/>
-          </a:prstGeom>
-          <a:ln>
-            <a:solidFill>
-              <a:schemeClr val="accent6"/>
-            </a:solidFill>
-          </a:ln>
-        </p:spPr>
-        <p:style>
-          <a:lnRef idx="1">
-            <a:schemeClr val="accent1"/>
-          </a:lnRef>
-          <a:fillRef idx="0">
-            <a:schemeClr val="accent1"/>
-          </a:fillRef>
-          <a:effectRef idx="0">
-            <a:schemeClr val="accent1"/>
-          </a:effectRef>
-          <a:fontRef idx="minor">
-            <a:schemeClr val="tx1"/>
-          </a:fontRef>
-        </p:style>
-      </p:cxnSp>
     </p:spTree>
     <p:extLst>
       <p:ext uri="{BB962C8B-B14F-4D97-AF65-F5344CB8AC3E}">
-        <p14:creationId xmlns:p14="http://schemas.microsoft.com/office/powerpoint/2010/main" val="228533342"/>
+        <p14:creationId xmlns:p14="http://schemas.microsoft.com/office/powerpoint/2010/main" val="1129498014"/>
       </p:ext>
     </p:extLst>
   </p:cSld>
@@ -8884,7 +9177,7 @@
           <p:nvPr>
             <p:extLst>
               <p:ext uri="{D42A27DB-BD31-4B8C-83A1-F6EECF244321}">
-                <p14:modId xmlns:p14="http://schemas.microsoft.com/office/powerpoint/2010/main" val="1978775423"/>
+                <p14:modId xmlns:p14="http://schemas.microsoft.com/office/powerpoint/2010/main" val="1368846300"/>
               </p:ext>
             </p:extLst>
           </p:nvPr>
@@ -9682,7 +9975,7 @@
                           <a:ea typeface="+mn-ea"/>
                           <a:cs typeface="+mn-cs"/>
                         </a:rPr>
-                        <a:t>비밀번호 찾기 화면</a:t>
+                        <a:t>비밀번호 찾기</a:t>
                       </a:r>
                       <a:r>
                         <a:rPr lang="en-US" altLang="ko-KR" sz="1800" b="0" i="0" kern="1200" dirty="0" smtClean="0">
@@ -9694,7 +9987,7 @@
                           <a:ea typeface="+mn-ea"/>
                           <a:cs typeface="+mn-cs"/>
                         </a:rPr>
-                        <a:t>·</a:t>
+                        <a:t>, </a:t>
                       </a:r>
                       <a:r>
                         <a:rPr lang="ko-KR" altLang="en-US" sz="1800" b="0" i="0" kern="1200" dirty="0" smtClean="0">
@@ -9706,7 +9999,19 @@
                           <a:ea typeface="+mn-ea"/>
                           <a:cs typeface="+mn-cs"/>
                         </a:rPr>
-                        <a:t>기능 구현</a:t>
+                        <a:t>비회원 </a:t>
+                      </a:r>
+                      <a:r>
+                        <a:rPr lang="ko-KR" altLang="en-US" sz="1800" b="0" i="0" kern="1200" smtClean="0">
+                          <a:solidFill>
+                            <a:schemeClr val="tx1"/>
+                          </a:solidFill>
+                          <a:effectLst/>
+                          <a:latin typeface="+mn-lt"/>
+                          <a:ea typeface="+mn-ea"/>
+                          <a:cs typeface="+mn-cs"/>
+                        </a:rPr>
+                        <a:t>주문조회 기능 구현</a:t>
                       </a:r>
                       <a:endParaRPr lang="ko-KR" altLang="en-US" sz="2200" spc="-150" dirty="0">
                         <a:solidFill>
@@ -14645,4 +14950,265 @@
     </a:ext>
   </a:extLst>
 </a:theme>
+</file>
+
+<file path=ppt/theme/theme2.xml><?xml version="1.0" encoding="utf-8"?>
+<a:theme xmlns:a="http://schemas.openxmlformats.org/drawingml/2006/main" name="Office 테마">
+  <a:themeElements>
+    <a:clrScheme name="Office">
+      <a:dk1>
+        <a:sysClr val="windowText" lastClr="000000"/>
+      </a:dk1>
+      <a:lt1>
+        <a:sysClr val="window" lastClr="FFFFFF"/>
+      </a:lt1>
+      <a:dk2>
+        <a:srgbClr val="44546A"/>
+      </a:dk2>
+      <a:lt2>
+        <a:srgbClr val="E7E6E6"/>
+      </a:lt2>
+      <a:accent1>
+        <a:srgbClr val="5B9BD5"/>
+      </a:accent1>
+      <a:accent2>
+        <a:srgbClr val="ED7D31"/>
+      </a:accent2>
+      <a:accent3>
+        <a:srgbClr val="A5A5A5"/>
+      </a:accent3>
+      <a:accent4>
+        <a:srgbClr val="FFC000"/>
+      </a:accent4>
+      <a:accent5>
+        <a:srgbClr val="4472C4"/>
+      </a:accent5>
+      <a:accent6>
+        <a:srgbClr val="70AD47"/>
+      </a:accent6>
+      <a:hlink>
+        <a:srgbClr val="0563C1"/>
+      </a:hlink>
+      <a:folHlink>
+        <a:srgbClr val="954F72"/>
+      </a:folHlink>
+    </a:clrScheme>
+    <a:fontScheme name="Office">
+      <a:majorFont>
+        <a:latin typeface="맑은 고딕" panose="020F0302020204030204"/>
+        <a:ea typeface=""/>
+        <a:cs typeface=""/>
+        <a:font script="Jpan" typeface="游ゴシック Light"/>
+        <a:font script="Hang" typeface="맑은 고딕"/>
+        <a:font script="Hans" typeface="等线 Light"/>
+        <a:font script="Hant" typeface="新細明體"/>
+        <a:font script="Arab" typeface="Times New Roman"/>
+        <a:font script="Hebr" typeface="Times New Roman"/>
+        <a:font script="Thai" typeface="Angsana New"/>
+        <a:font script="Ethi" typeface="Nyala"/>
+        <a:font script="Beng" typeface="Vrinda"/>
+        <a:font script="Gujr" typeface="Shruti"/>
+        <a:font script="Khmr" typeface="MoolBoran"/>
+        <a:font script="Knda" typeface="Tunga"/>
+        <a:font script="Guru" typeface="Raavi"/>
+        <a:font script="Cans" typeface="Euphemia"/>
+        <a:font script="Cher" typeface="Plantagenet Cherokee"/>
+        <a:font script="Yiii" typeface="Microsoft Yi Baiti"/>
+        <a:font script="Tibt" typeface="Microsoft Himalaya"/>
+        <a:font script="Thaa" typeface="MV Boli"/>
+        <a:font script="Deva" typeface="Mangal"/>
+        <a:font script="Telu" typeface="Gautami"/>
+        <a:font script="Taml" typeface="Latha"/>
+        <a:font script="Syrc" typeface="Estrangelo Edessa"/>
+        <a:font script="Orya" typeface="Kalinga"/>
+        <a:font script="Mlym" typeface="Kartika"/>
+        <a:font script="Laoo" typeface="DokChampa"/>
+        <a:font script="Sinh" typeface="Iskoola Pota"/>
+        <a:font script="Mong" typeface="Mongolian Baiti"/>
+        <a:font script="Viet" typeface="Times New Roman"/>
+        <a:font script="Uigh" typeface="Microsoft Uighur"/>
+        <a:font script="Geor" typeface="Sylfaen"/>
+      </a:majorFont>
+      <a:minorFont>
+        <a:latin typeface="맑은 고딕" panose="020F0502020204030204"/>
+        <a:ea typeface=""/>
+        <a:cs typeface=""/>
+        <a:font script="Jpan" typeface="游ゴシック"/>
+        <a:font script="Hang" typeface="맑은 고딕"/>
+        <a:font script="Hans" typeface="等线"/>
+        <a:font script="Hant" typeface="新細明體"/>
+        <a:font script="Arab" typeface="Arial"/>
+        <a:font script="Hebr" typeface="Arial"/>
+        <a:font script="Thai" typeface="Cordia New"/>
+        <a:font script="Ethi" typeface="Nyala"/>
+        <a:font script="Beng" typeface="Vrinda"/>
+        <a:font script="Gujr" typeface="Shruti"/>
+        <a:font script="Khmr" typeface="DaunPenh"/>
+        <a:font script="Knda" typeface="Tunga"/>
+        <a:font script="Guru" typeface="Raavi"/>
+        <a:font script="Cans" typeface="Euphemia"/>
+        <a:font script="Cher" typeface="Plantagenet Cherokee"/>
+        <a:font script="Yiii" typeface="Microsoft Yi Baiti"/>
+        <a:font script="Tibt" typeface="Microsoft Himalaya"/>
+        <a:font script="Thaa" typeface="MV Boli"/>
+        <a:font script="Deva" typeface="Mangal"/>
+        <a:font script="Telu" typeface="Gautami"/>
+        <a:font script="Taml" typeface="Latha"/>
+        <a:font script="Syrc" typeface="Estrangelo Edessa"/>
+        <a:font script="Orya" typeface="Kalinga"/>
+        <a:font script="Mlym" typeface="Kartika"/>
+        <a:font script="Laoo" typeface="DokChampa"/>
+        <a:font script="Sinh" typeface="Iskoola Pota"/>
+        <a:font script="Mong" typeface="Mongolian Baiti"/>
+        <a:font script="Viet" typeface="Arial"/>
+        <a:font script="Uigh" typeface="Microsoft Uighur"/>
+        <a:font script="Geor" typeface="Sylfaen"/>
+      </a:minorFont>
+    </a:fontScheme>
+    <a:fmtScheme name="Office">
+      <a:fillStyleLst>
+        <a:solidFill>
+          <a:schemeClr val="phClr"/>
+        </a:solidFill>
+        <a:gradFill rotWithShape="1">
+          <a:gsLst>
+            <a:gs pos="0">
+              <a:schemeClr val="phClr">
+                <a:lumMod val="110000"/>
+                <a:satMod val="105000"/>
+                <a:tint val="67000"/>
+              </a:schemeClr>
+            </a:gs>
+            <a:gs pos="50000">
+              <a:schemeClr val="phClr">
+                <a:lumMod val="105000"/>
+                <a:satMod val="103000"/>
+                <a:tint val="73000"/>
+              </a:schemeClr>
+            </a:gs>
+            <a:gs pos="100000">
+              <a:schemeClr val="phClr">
+                <a:lumMod val="105000"/>
+                <a:satMod val="109000"/>
+                <a:tint val="81000"/>
+              </a:schemeClr>
+            </a:gs>
+          </a:gsLst>
+          <a:lin ang="5400000" scaled="0"/>
+        </a:gradFill>
+        <a:gradFill rotWithShape="1">
+          <a:gsLst>
+            <a:gs pos="0">
+              <a:schemeClr val="phClr">
+                <a:satMod val="103000"/>
+                <a:lumMod val="102000"/>
+                <a:tint val="94000"/>
+              </a:schemeClr>
+            </a:gs>
+            <a:gs pos="50000">
+              <a:schemeClr val="phClr">
+                <a:satMod val="110000"/>
+                <a:lumMod val="100000"/>
+                <a:shade val="100000"/>
+              </a:schemeClr>
+            </a:gs>
+            <a:gs pos="100000">
+              <a:schemeClr val="phClr">
+                <a:lumMod val="99000"/>
+                <a:satMod val="120000"/>
+                <a:shade val="78000"/>
+              </a:schemeClr>
+            </a:gs>
+          </a:gsLst>
+          <a:lin ang="5400000" scaled="0"/>
+        </a:gradFill>
+      </a:fillStyleLst>
+      <a:lnStyleLst>
+        <a:ln w="6350" cap="flat" cmpd="sng" algn="ctr">
+          <a:solidFill>
+            <a:schemeClr val="phClr"/>
+          </a:solidFill>
+          <a:prstDash val="solid"/>
+          <a:miter lim="800000"/>
+        </a:ln>
+        <a:ln w="12700" cap="flat" cmpd="sng" algn="ctr">
+          <a:solidFill>
+            <a:schemeClr val="phClr"/>
+          </a:solidFill>
+          <a:prstDash val="solid"/>
+          <a:miter lim="800000"/>
+        </a:ln>
+        <a:ln w="19050" cap="flat" cmpd="sng" algn="ctr">
+          <a:solidFill>
+            <a:schemeClr val="phClr"/>
+          </a:solidFill>
+          <a:prstDash val="solid"/>
+          <a:miter lim="800000"/>
+        </a:ln>
+      </a:lnStyleLst>
+      <a:effectStyleLst>
+        <a:effectStyle>
+          <a:effectLst/>
+        </a:effectStyle>
+        <a:effectStyle>
+          <a:effectLst/>
+        </a:effectStyle>
+        <a:effectStyle>
+          <a:effectLst>
+            <a:outerShdw blurRad="57150" dist="19050" dir="5400000" algn="ctr" rotWithShape="0">
+              <a:srgbClr val="000000">
+                <a:alpha val="63000"/>
+              </a:srgbClr>
+            </a:outerShdw>
+          </a:effectLst>
+        </a:effectStyle>
+      </a:effectStyleLst>
+      <a:bgFillStyleLst>
+        <a:solidFill>
+          <a:schemeClr val="phClr"/>
+        </a:solidFill>
+        <a:solidFill>
+          <a:schemeClr val="phClr">
+            <a:tint val="95000"/>
+            <a:satMod val="170000"/>
+          </a:schemeClr>
+        </a:solidFill>
+        <a:gradFill rotWithShape="1">
+          <a:gsLst>
+            <a:gs pos="0">
+              <a:schemeClr val="phClr">
+                <a:tint val="93000"/>
+                <a:satMod val="150000"/>
+                <a:shade val="98000"/>
+                <a:lumMod val="102000"/>
+              </a:schemeClr>
+            </a:gs>
+            <a:gs pos="50000">
+              <a:schemeClr val="phClr">
+                <a:tint val="98000"/>
+                <a:satMod val="130000"/>
+                <a:shade val="90000"/>
+                <a:lumMod val="103000"/>
+              </a:schemeClr>
+            </a:gs>
+            <a:gs pos="100000">
+              <a:schemeClr val="phClr">
+                <a:shade val="63000"/>
+                <a:satMod val="120000"/>
+              </a:schemeClr>
+            </a:gs>
+          </a:gsLst>
+          <a:lin ang="5400000" scaled="0"/>
+        </a:gradFill>
+      </a:bgFillStyleLst>
+    </a:fmtScheme>
+  </a:themeElements>
+  <a:objectDefaults/>
+  <a:extraClrSchemeLst/>
+  <a:extLst>
+    <a:ext uri="{05A4C25C-085E-4340-85A3-A5531E510DB2}">
+      <thm15:themeFamily xmlns:thm15="http://schemas.microsoft.com/office/thememl/2012/main" name="Office Theme" id="{62F939B6-93AF-4DB8-9C6B-D6C7DFDC589F}" vid="{4A3C46E8-61CC-4603-A589-7422A47A8E4A}"/>
+    </a:ext>
+  </a:extLst>
+</a:theme>
 </file>